--- a/프로그램 구조도.pptx
+++ b/프로그램 구조도.pptx
@@ -110,7 +110,7 @@
   </p:defaultTextStyle>
   <p:extLst>
     <p:ext uri="{EFAFB233-063F-42B5-8137-9DF3F51BA10A}">
-      <p15:sldGuideLst xmlns="" xmlns:p15="http://schemas.microsoft.com/office/powerpoint/2012/main">
+      <p15:sldGuideLst xmlns:p15="http://schemas.microsoft.com/office/powerpoint/2012/main">
         <p15:guide id="1" orient="horz" pos="2160">
           <p15:clr>
             <a:srgbClr val="A4A3A4"/>
@@ -4329,14 +4329,14 @@
           </a:ln>
           <a:extLst>
             <a:ext uri="{909E8E84-426E-40DD-AFC4-6F175D3DCCD1}">
-              <a14:hiddenFill xmlns:a14="http://schemas.microsoft.com/office/drawing/2010/main" xmlns="">
+              <a14:hiddenFill xmlns:a14="http://schemas.microsoft.com/office/drawing/2010/main">
                 <a:solidFill>
                   <a:srgbClr val="FFFFFF"/>
                 </a:solidFill>
               </a14:hiddenFill>
             </a:ext>
             <a:ext uri="{91240B29-F687-4F45-9708-019B960494DF}">
-              <a14:hiddenLine xmlns:a14="http://schemas.microsoft.com/office/drawing/2010/main" xmlns="" w="12700" cap="flat">
+              <a14:hiddenLine xmlns:a14="http://schemas.microsoft.com/office/drawing/2010/main" w="12700" cap="flat">
                 <a:solidFill>
                   <a:schemeClr val="tx1"/>
                 </a:solidFill>
@@ -4383,8 +4383,8 @@
         </p:nvSpPr>
         <p:spPr>
           <a:xfrm>
-            <a:off x="785786" y="1571612"/>
-            <a:ext cx="7358114" cy="3214710"/>
+            <a:off x="911096" y="2060848"/>
+            <a:ext cx="7358114" cy="2001404"/>
           </a:xfrm>
           <a:prstGeom prst="roundRect">
             <a:avLst/>
@@ -4413,7 +4413,7 @@
             <a:pPr algn="ctr"/>
             <a:r>
               <a:rPr lang="ko-KR" altLang="en-US" sz="2200" b="1" dirty="0" smtClean="0"/>
-              <a:t>사회적 약자</a:t>
+              <a:t>사용자</a:t>
             </a:r>
             <a:r>
               <a:rPr lang="en-US" altLang="ko-KR" sz="2200" b="1" dirty="0" smtClean="0"/>
@@ -4437,11 +4437,19 @@
             </a:r>
             <a:r>
               <a:rPr lang="ko-KR" altLang="en-US" sz="2200" b="1" dirty="0" smtClean="0"/>
-              <a:t>가 도움이 필요할 때 헬핑 프로그램을 이용하여 직접 자원봉사자를 선택하여 봉사를 받을 수 </a:t>
-            </a:r>
+              <a:t>가 </a:t>
+            </a:r>
+            <a:endParaRPr lang="en-US" altLang="ko-KR" sz="2200" b="1" dirty="0" smtClean="0"/>
+          </a:p>
+          <a:p>
+            <a:pPr algn="ctr"/>
             <a:r>
               <a:rPr lang="ko-KR" altLang="en-US" sz="2200" b="1" dirty="0" smtClean="0"/>
-              <a:t>있는 환경을 만들어 봉사를 받을 수 있도록 한다</a:t>
+              <a:t>도움이 </a:t>
+            </a:r>
+            <a:r>
+              <a:rPr lang="ko-KR" altLang="en-US" sz="2200" b="1" dirty="0" smtClean="0"/>
+              <a:t>필요할 때 헬핑 프로그램을 이용하여 직접 자원봉사자를 선택하여 봉사를 받을 수 있는 환경을 만들어 봉사를 받을 수 있도록 한다</a:t>
             </a:r>
             <a:r>
               <a:rPr lang="en-US" altLang="ko-KR" sz="2200" b="1" dirty="0" smtClean="0"/>
@@ -4520,7 +4528,7 @@
     </p:spTree>
     <p:extLst>
       <p:ext uri="{BB962C8B-B14F-4D97-AF65-F5344CB8AC3E}">
-        <p14:creationId xmlns:p14="http://schemas.microsoft.com/office/powerpoint/2010/main" xmlns="" val="1799976361"/>
+        <p14:creationId xmlns:p14="http://schemas.microsoft.com/office/powerpoint/2010/main" val="1799976361"/>
       </p:ext>
     </p:extLst>
   </p:cSld>
@@ -5246,14 +5254,14 @@
           </a:ln>
           <a:extLst>
             <a:ext uri="{909E8E84-426E-40DD-AFC4-6F175D3DCCD1}">
-              <a14:hiddenFill xmlns:a14="http://schemas.microsoft.com/office/drawing/2010/main" xmlns="">
+              <a14:hiddenFill xmlns:a14="http://schemas.microsoft.com/office/drawing/2010/main">
                 <a:solidFill>
                   <a:srgbClr val="FFFFFF"/>
                 </a:solidFill>
               </a14:hiddenFill>
             </a:ext>
             <a:ext uri="{91240B29-F687-4F45-9708-019B960494DF}">
-              <a14:hiddenLine xmlns:a14="http://schemas.microsoft.com/office/drawing/2010/main" xmlns="" w="12700" cap="flat">
+              <a14:hiddenLine xmlns:a14="http://schemas.microsoft.com/office/drawing/2010/main" w="12700" cap="flat">
                 <a:solidFill>
                   <a:schemeClr val="tx1"/>
                 </a:solidFill>
@@ -5328,7 +5336,7 @@
     </p:spTree>
     <p:extLst>
       <p:ext uri="{BB962C8B-B14F-4D97-AF65-F5344CB8AC3E}">
-        <p14:creationId xmlns:p14="http://schemas.microsoft.com/office/powerpoint/2010/main" xmlns="" val="1799976361"/>
+        <p14:creationId xmlns:p14="http://schemas.microsoft.com/office/powerpoint/2010/main" val="1799976361"/>
       </p:ext>
     </p:extLst>
   </p:cSld>
@@ -5601,12 +5609,8 @@
               <a:t>3</a:t>
             </a:r>
             <a:r>
-              <a:rPr lang="ko-KR" altLang="en-US" sz="2200" b="1" smtClean="0"/>
-              <a:t>자가 중개하는 기존 </a:t>
-            </a:r>
-            <a:r>
               <a:rPr lang="ko-KR" altLang="en-US" sz="2200" b="1" dirty="0" smtClean="0"/>
-              <a:t>봉사 사이트와 달리</a:t>
+              <a:t>자가 중개하는 기존 봉사 사이트와 달리</a:t>
             </a:r>
             <a:endParaRPr lang="en-US" altLang="ko-KR" sz="2200" b="1" dirty="0" smtClean="0"/>
           </a:p>
@@ -5754,15 +5758,7 @@
                   <a:srgbClr val="002060"/>
                 </a:solidFill>
               </a:rPr>
-              <a:t>설계</a:t>
-            </a:r>
-            <a:r>
-              <a:rPr lang="ko-KR" altLang="en-US" b="1" dirty="0" smtClean="0">
-                <a:solidFill>
-                  <a:srgbClr val="002060"/>
-                </a:solidFill>
-              </a:rPr>
-              <a:t>도</a:t>
+              <a:t>설계도</a:t>
             </a:r>
             <a:endParaRPr lang="ko-KR" altLang="en-US" b="1" dirty="0">
               <a:solidFill>

--- a/프로그램 구조도.pptx
+++ b/프로그램 구조도.pptx
@@ -10,6 +10,7 @@
     <p:sldId id="270" r:id="rId4"/>
     <p:sldId id="271" r:id="rId5"/>
     <p:sldId id="267" r:id="rId6"/>
+    <p:sldId id="272" r:id="rId7"/>
   </p:sldIdLst>
   <p:sldSz cx="9144000" cy="6858000" type="screen4x3"/>
   <p:notesSz cx="6858000" cy="9144000"/>
@@ -110,7 +111,7 @@
   </p:defaultTextStyle>
   <p:extLst>
     <p:ext uri="{EFAFB233-063F-42B5-8137-9DF3F51BA10A}">
-      <p15:sldGuideLst xmlns="" xmlns:p15="http://schemas.microsoft.com/office/powerpoint/2012/main">
+      <p15:sldGuideLst xmlns:p15="http://schemas.microsoft.com/office/powerpoint/2012/main" xmlns="">
         <p15:guide id="1" orient="horz" pos="2160">
           <p15:clr>
             <a:srgbClr val="A4A3A4"/>
@@ -4329,14 +4330,14 @@
           </a:ln>
           <a:extLst>
             <a:ext uri="{909E8E84-426E-40DD-AFC4-6F175D3DCCD1}">
-              <a14:hiddenFill xmlns:a14="http://schemas.microsoft.com/office/drawing/2010/main" xmlns="">
+              <a14:hiddenFill xmlns="" xmlns:a14="http://schemas.microsoft.com/office/drawing/2010/main">
                 <a:solidFill>
                   <a:srgbClr val="FFFFFF"/>
                 </a:solidFill>
               </a14:hiddenFill>
             </a:ext>
             <a:ext uri="{91240B29-F687-4F45-9708-019B960494DF}">
-              <a14:hiddenLine xmlns:a14="http://schemas.microsoft.com/office/drawing/2010/main" xmlns="" w="12700" cap="flat">
+              <a14:hiddenLine xmlns="" xmlns:a14="http://schemas.microsoft.com/office/drawing/2010/main" w="12700" cap="flat">
                 <a:solidFill>
                   <a:schemeClr val="tx1"/>
                 </a:solidFill>
@@ -4437,11 +4438,7 @@
             </a:r>
             <a:r>
               <a:rPr lang="ko-KR" altLang="en-US" sz="2200" b="1" dirty="0" smtClean="0"/>
-              <a:t>가 도움이 필요할 때 헬핑 프로그램을 이용하여 직접 자원봉사자를 선택하여 봉사를 받을 수 </a:t>
-            </a:r>
-            <a:r>
-              <a:rPr lang="ko-KR" altLang="en-US" sz="2200" b="1" dirty="0" smtClean="0"/>
-              <a:t>있는 환경을 만들어 봉사를 받을 수 있도록 한다</a:t>
+              <a:t>가 도움이 필요할 때 헬핑 프로그램을 이용하여 직접 자원봉사자를 선택하여 봉사를 받을 수 있는 환경을 만들어 봉사를 받을 수 있도록 한다</a:t>
             </a:r>
             <a:r>
               <a:rPr lang="en-US" altLang="ko-KR" sz="2200" b="1" dirty="0" smtClean="0"/>
@@ -4520,7 +4517,7 @@
     </p:spTree>
     <p:extLst>
       <p:ext uri="{BB962C8B-B14F-4D97-AF65-F5344CB8AC3E}">
-        <p14:creationId xmlns:p14="http://schemas.microsoft.com/office/powerpoint/2010/main" xmlns="" val="1799976361"/>
+        <p14:creationId xmlns="" xmlns:p14="http://schemas.microsoft.com/office/powerpoint/2010/main" val="1799976361"/>
       </p:ext>
     </p:extLst>
   </p:cSld>
@@ -5246,14 +5243,14 @@
           </a:ln>
           <a:extLst>
             <a:ext uri="{909E8E84-426E-40DD-AFC4-6F175D3DCCD1}">
-              <a14:hiddenFill xmlns:a14="http://schemas.microsoft.com/office/drawing/2010/main" xmlns="">
+              <a14:hiddenFill xmlns="" xmlns:a14="http://schemas.microsoft.com/office/drawing/2010/main">
                 <a:solidFill>
                   <a:srgbClr val="FFFFFF"/>
                 </a:solidFill>
               </a14:hiddenFill>
             </a:ext>
             <a:ext uri="{91240B29-F687-4F45-9708-019B960494DF}">
-              <a14:hiddenLine xmlns:a14="http://schemas.microsoft.com/office/drawing/2010/main" xmlns="" w="12700" cap="flat">
+              <a14:hiddenLine xmlns="" xmlns:a14="http://schemas.microsoft.com/office/drawing/2010/main" w="12700" cap="flat">
                 <a:solidFill>
                   <a:schemeClr val="tx1"/>
                 </a:solidFill>
@@ -5328,7 +5325,7 @@
     </p:spTree>
     <p:extLst>
       <p:ext uri="{BB962C8B-B14F-4D97-AF65-F5344CB8AC3E}">
-        <p14:creationId xmlns:p14="http://schemas.microsoft.com/office/powerpoint/2010/main" xmlns="" val="1799976361"/>
+        <p14:creationId xmlns="" xmlns:p14="http://schemas.microsoft.com/office/powerpoint/2010/main" val="1799976361"/>
       </p:ext>
     </p:extLst>
   </p:cSld>
@@ -5754,19 +5751,965 @@
                   <a:srgbClr val="002060"/>
                 </a:solidFill>
               </a:rPr>
-              <a:t>설계</a:t>
-            </a:r>
-            <a:r>
-              <a:rPr lang="ko-KR" altLang="en-US" b="1" dirty="0" smtClean="0">
-                <a:solidFill>
-                  <a:srgbClr val="002060"/>
-                </a:solidFill>
-              </a:rPr>
-              <a:t>도</a:t>
+              <a:t>설계도</a:t>
             </a:r>
             <a:endParaRPr lang="ko-KR" altLang="en-US" b="1" dirty="0">
               <a:solidFill>
                 <a:srgbClr val="002060"/>
+              </a:solidFill>
+            </a:endParaRPr>
+          </a:p>
+        </p:txBody>
+      </p:sp>
+    </p:spTree>
+  </p:cSld>
+  <p:clrMapOvr>
+    <a:masterClrMapping/>
+  </p:clrMapOvr>
+</p:sld>
+</file>
+
+<file path=ppt/slides/slide6.xml><?xml version="1.0" encoding="utf-8"?>
+<p:sld xmlns:a="http://schemas.openxmlformats.org/drawingml/2006/main" xmlns:r="http://schemas.openxmlformats.org/officeDocument/2006/relationships" xmlns:p="http://schemas.openxmlformats.org/presentationml/2006/main">
+  <p:cSld>
+    <p:spTree>
+      <p:nvGrpSpPr>
+        <p:cNvPr id="1" name=""/>
+        <p:cNvGrpSpPr/>
+        <p:nvPr/>
+      </p:nvGrpSpPr>
+      <p:grpSpPr>
+        <a:xfrm>
+          <a:off x="0" y="0"/>
+          <a:ext cx="0" cy="0"/>
+          <a:chOff x="0" y="0"/>
+          <a:chExt cx="0" cy="0"/>
+        </a:xfrm>
+      </p:grpSpPr>
+      <p:sp>
+        <p:nvSpPr>
+          <p:cNvPr id="101" name="직사각형 100"/>
+          <p:cNvSpPr/>
+          <p:nvPr/>
+        </p:nvSpPr>
+        <p:spPr>
+          <a:xfrm>
+            <a:off x="4572000" y="500042"/>
+            <a:ext cx="1643074" cy="571504"/>
+          </a:xfrm>
+          <a:prstGeom prst="rect">
+            <a:avLst/>
+          </a:prstGeom>
+        </p:spPr>
+        <p:style>
+          <a:lnRef idx="2">
+            <a:schemeClr val="accent1">
+              <a:shade val="50000"/>
+            </a:schemeClr>
+          </a:lnRef>
+          <a:fillRef idx="1">
+            <a:schemeClr val="accent1"/>
+          </a:fillRef>
+          <a:effectRef idx="0">
+            <a:schemeClr val="accent1"/>
+          </a:effectRef>
+          <a:fontRef idx="minor">
+            <a:schemeClr val="lt1"/>
+          </a:fontRef>
+        </p:style>
+        <p:txBody>
+          <a:bodyPr rtlCol="0" anchor="ctr"/>
+          <a:lstStyle/>
+          <a:p>
+            <a:pPr algn="ctr"/>
+            <a:r>
+              <a:rPr lang="en-US" altLang="ko-KR" dirty="0" smtClean="0">
+                <a:solidFill>
+                  <a:schemeClr val="tx1"/>
+                </a:solidFill>
+              </a:rPr>
+              <a:t>Login.php</a:t>
+            </a:r>
+          </a:p>
+          <a:p>
+            <a:pPr algn="ctr"/>
+            <a:r>
+              <a:rPr lang="ko-KR" altLang="en-US" b="1" dirty="0" smtClean="0">
+                <a:solidFill>
+                  <a:schemeClr val="tx1"/>
+                </a:solidFill>
+              </a:rPr>
+              <a:t>로그인</a:t>
+            </a:r>
+            <a:endParaRPr lang="ko-KR" altLang="en-US" b="1" dirty="0">
+              <a:solidFill>
+                <a:schemeClr val="tx1"/>
+              </a:solidFill>
+            </a:endParaRPr>
+          </a:p>
+        </p:txBody>
+      </p:sp>
+      <p:sp>
+        <p:nvSpPr>
+          <p:cNvPr id="104" name="직사각형 103"/>
+          <p:cNvSpPr/>
+          <p:nvPr/>
+        </p:nvSpPr>
+        <p:spPr>
+          <a:xfrm>
+            <a:off x="4572000" y="1285860"/>
+            <a:ext cx="1643074" cy="571504"/>
+          </a:xfrm>
+          <a:prstGeom prst="rect">
+            <a:avLst/>
+          </a:prstGeom>
+        </p:spPr>
+        <p:style>
+          <a:lnRef idx="2">
+            <a:schemeClr val="accent1">
+              <a:shade val="50000"/>
+            </a:schemeClr>
+          </a:lnRef>
+          <a:fillRef idx="1">
+            <a:schemeClr val="accent1"/>
+          </a:fillRef>
+          <a:effectRef idx="0">
+            <a:schemeClr val="accent1"/>
+          </a:effectRef>
+          <a:fontRef idx="minor">
+            <a:schemeClr val="lt1"/>
+          </a:fontRef>
+        </p:style>
+        <p:txBody>
+          <a:bodyPr rtlCol="0" anchor="ctr"/>
+          <a:lstStyle/>
+          <a:p>
+            <a:pPr algn="ctr"/>
+            <a:r>
+              <a:rPr lang="en-US" altLang="ko-KR" sz="1600" dirty="0" smtClean="0">
+                <a:solidFill>
+                  <a:schemeClr val="tx1"/>
+                </a:solidFill>
+              </a:rPr>
+              <a:t>Signup.php</a:t>
+            </a:r>
+            <a:endParaRPr lang="en-US" altLang="ko-KR" sz="1600" dirty="0" smtClean="0">
+              <a:solidFill>
+                <a:schemeClr val="tx1"/>
+              </a:solidFill>
+            </a:endParaRPr>
+          </a:p>
+          <a:p>
+            <a:pPr algn="ctr"/>
+            <a:r>
+              <a:rPr lang="ko-KR" altLang="en-US" sz="1600" b="1" dirty="0" smtClean="0">
+                <a:solidFill>
+                  <a:schemeClr val="tx1"/>
+                </a:solidFill>
+              </a:rPr>
+              <a:t>회원가입</a:t>
+            </a:r>
+            <a:endParaRPr lang="ko-KR" altLang="en-US" sz="1600" b="1" dirty="0">
+              <a:solidFill>
+                <a:schemeClr val="tx1"/>
+              </a:solidFill>
+            </a:endParaRPr>
+          </a:p>
+        </p:txBody>
+      </p:sp>
+      <p:sp>
+        <p:nvSpPr>
+          <p:cNvPr id="106" name="직사각형 105"/>
+          <p:cNvSpPr/>
+          <p:nvPr/>
+        </p:nvSpPr>
+        <p:spPr>
+          <a:xfrm>
+            <a:off x="6500826" y="1000108"/>
+            <a:ext cx="1285884" cy="382954"/>
+          </a:xfrm>
+          <a:prstGeom prst="rect">
+            <a:avLst/>
+          </a:prstGeom>
+          <a:solidFill>
+            <a:srgbClr val="92D050"/>
+          </a:solidFill>
+          <a:ln>
+            <a:solidFill>
+              <a:schemeClr val="bg1"/>
+            </a:solidFill>
+          </a:ln>
+        </p:spPr>
+        <p:style>
+          <a:lnRef idx="2">
+            <a:schemeClr val="accent1">
+              <a:shade val="50000"/>
+            </a:schemeClr>
+          </a:lnRef>
+          <a:fillRef idx="1">
+            <a:schemeClr val="accent1"/>
+          </a:fillRef>
+          <a:effectRef idx="0">
+            <a:schemeClr val="accent1"/>
+          </a:effectRef>
+          <a:fontRef idx="minor">
+            <a:schemeClr val="lt1"/>
+          </a:fontRef>
+        </p:style>
+        <p:txBody>
+          <a:bodyPr rtlCol="0" anchor="ctr"/>
+          <a:lstStyle/>
+          <a:p>
+            <a:pPr algn="ctr"/>
+            <a:r>
+              <a:rPr lang="en-US" altLang="ko-KR" dirty="0" smtClean="0">
+                <a:solidFill>
+                  <a:schemeClr val="tx1"/>
+                </a:solidFill>
+              </a:rPr>
+              <a:t>DB : User</a:t>
+            </a:r>
+            <a:endParaRPr lang="ko-KR" altLang="en-US" dirty="0">
+              <a:solidFill>
+                <a:schemeClr val="tx1"/>
+              </a:solidFill>
+            </a:endParaRPr>
+          </a:p>
+        </p:txBody>
+      </p:sp>
+      <p:sp>
+        <p:nvSpPr>
+          <p:cNvPr id="115" name="직사각형 114"/>
+          <p:cNvSpPr/>
+          <p:nvPr/>
+        </p:nvSpPr>
+        <p:spPr>
+          <a:xfrm>
+            <a:off x="928662" y="785794"/>
+            <a:ext cx="3000396" cy="928694"/>
+          </a:xfrm>
+          <a:prstGeom prst="rect">
+            <a:avLst/>
+          </a:prstGeom>
+        </p:spPr>
+        <p:style>
+          <a:lnRef idx="2">
+            <a:schemeClr val="accent1">
+              <a:shade val="50000"/>
+            </a:schemeClr>
+          </a:lnRef>
+          <a:fillRef idx="1">
+            <a:schemeClr val="accent1"/>
+          </a:fillRef>
+          <a:effectRef idx="0">
+            <a:schemeClr val="accent1"/>
+          </a:effectRef>
+          <a:fontRef idx="minor">
+            <a:schemeClr val="lt1"/>
+          </a:fontRef>
+        </p:style>
+        <p:txBody>
+          <a:bodyPr rtlCol="0" anchor="ctr"/>
+          <a:lstStyle/>
+          <a:p>
+            <a:pPr algn="ctr"/>
+            <a:r>
+              <a:rPr lang="en-US" altLang="ko-KR" dirty="0">
+                <a:solidFill>
+                  <a:schemeClr val="tx1"/>
+                </a:solidFill>
+              </a:rPr>
+              <a:t>Alogmain.html</a:t>
+            </a:r>
+          </a:p>
+          <a:p>
+            <a:pPr algn="ctr"/>
+            <a:r>
+              <a:rPr lang="ko-KR" altLang="en-US" b="1" dirty="0" err="1" smtClean="0">
+                <a:solidFill>
+                  <a:schemeClr val="tx1"/>
+                </a:solidFill>
+              </a:rPr>
+              <a:t>메인페이지</a:t>
+            </a:r>
+            <a:endParaRPr lang="ko-KR" altLang="en-US" b="1" dirty="0">
+              <a:solidFill>
+                <a:schemeClr val="tx1"/>
+              </a:solidFill>
+            </a:endParaRPr>
+          </a:p>
+        </p:txBody>
+      </p:sp>
+      <p:sp>
+        <p:nvSpPr>
+          <p:cNvPr id="14" name="TextBox 13"/>
+          <p:cNvSpPr txBox="1"/>
+          <p:nvPr/>
+        </p:nvSpPr>
+        <p:spPr>
+          <a:xfrm>
+            <a:off x="0" y="-142900"/>
+            <a:ext cx="4328676" cy="755306"/>
+          </a:xfrm>
+          <a:prstGeom prst="rect">
+            <a:avLst/>
+          </a:prstGeom>
+          <a:noFill/>
+        </p:spPr>
+        <p:txBody>
+          <a:bodyPr wrap="square" lIns="107287" tIns="53643" rIns="107287" bIns="53643" rtlCol="0">
+            <a:spAutoFit/>
+          </a:bodyPr>
+          <a:lstStyle/>
+          <a:p>
+            <a:pPr>
+              <a:lnSpc>
+                <a:spcPct val="200000"/>
+              </a:lnSpc>
+              <a:spcBef>
+                <a:spcPts val="600"/>
+              </a:spcBef>
+            </a:pPr>
+            <a:r>
+              <a:rPr lang="ko-KR" altLang="en-US" sz="2500" b="1" spc="-200" dirty="0" smtClean="0">
+                <a:gradFill>
+                  <a:gsLst>
+                    <a:gs pos="0">
+                      <a:schemeClr val="accent4"/>
+                    </a:gs>
+                    <a:gs pos="100000">
+                      <a:schemeClr val="accent4"/>
+                    </a:gs>
+                  </a:gsLst>
+                  <a:lin ang="16200000" scaled="1"/>
+                </a:gradFill>
+                <a:latin typeface="Noto Sans Korean Bold" pitchFamily="34" charset="-127"/>
+                <a:ea typeface="Noto Sans Korean Bold" pitchFamily="34" charset="-127"/>
+              </a:rPr>
+              <a:t>프로그램 구조도</a:t>
+            </a:r>
+            <a:endParaRPr lang="en-US" altLang="ko-KR" sz="2500" b="1" spc="-200" dirty="0">
+              <a:gradFill>
+                <a:gsLst>
+                  <a:gs pos="0">
+                    <a:schemeClr val="accent4"/>
+                  </a:gs>
+                  <a:gs pos="100000">
+                    <a:schemeClr val="accent4"/>
+                  </a:gs>
+                </a:gsLst>
+                <a:lin ang="16200000" scaled="1"/>
+              </a:gradFill>
+              <a:latin typeface="Noto Sans Korean Bold" pitchFamily="34" charset="-127"/>
+              <a:ea typeface="Noto Sans Korean Bold" pitchFamily="34" charset="-127"/>
+            </a:endParaRPr>
+          </a:p>
+        </p:txBody>
+      </p:sp>
+      <p:sp>
+        <p:nvSpPr>
+          <p:cNvPr id="23" name="오른쪽 화살표 22"/>
+          <p:cNvSpPr/>
+          <p:nvPr/>
+        </p:nvSpPr>
+        <p:spPr>
+          <a:xfrm>
+            <a:off x="4000496" y="857232"/>
+            <a:ext cx="500066" cy="214314"/>
+          </a:xfrm>
+          <a:prstGeom prst="rightArrow">
+            <a:avLst/>
+          </a:prstGeom>
+          <a:solidFill>
+            <a:schemeClr val="bg1"/>
+          </a:solidFill>
+        </p:spPr>
+        <p:style>
+          <a:lnRef idx="2">
+            <a:schemeClr val="accent1">
+              <a:shade val="50000"/>
+            </a:schemeClr>
+          </a:lnRef>
+          <a:fillRef idx="1">
+            <a:schemeClr val="accent1"/>
+          </a:fillRef>
+          <a:effectRef idx="0">
+            <a:schemeClr val="accent1"/>
+          </a:effectRef>
+          <a:fontRef idx="minor">
+            <a:schemeClr val="lt1"/>
+          </a:fontRef>
+        </p:style>
+        <p:txBody>
+          <a:bodyPr rtlCol="0" anchor="ctr"/>
+          <a:lstStyle/>
+          <a:p>
+            <a:pPr algn="ctr"/>
+            <a:endParaRPr lang="ko-KR" altLang="en-US"/>
+          </a:p>
+        </p:txBody>
+      </p:sp>
+      <p:sp>
+        <p:nvSpPr>
+          <p:cNvPr id="25" name="오른쪽 화살표 24"/>
+          <p:cNvSpPr/>
+          <p:nvPr/>
+        </p:nvSpPr>
+        <p:spPr>
+          <a:xfrm>
+            <a:off x="4000496" y="1357298"/>
+            <a:ext cx="500066" cy="214314"/>
+          </a:xfrm>
+          <a:prstGeom prst="rightArrow">
+            <a:avLst/>
+          </a:prstGeom>
+          <a:solidFill>
+            <a:schemeClr val="bg1"/>
+          </a:solidFill>
+        </p:spPr>
+        <p:style>
+          <a:lnRef idx="2">
+            <a:schemeClr val="accent1">
+              <a:shade val="50000"/>
+            </a:schemeClr>
+          </a:lnRef>
+          <a:fillRef idx="1">
+            <a:schemeClr val="accent1"/>
+          </a:fillRef>
+          <a:effectRef idx="0">
+            <a:schemeClr val="accent1"/>
+          </a:effectRef>
+          <a:fontRef idx="minor">
+            <a:schemeClr val="lt1"/>
+          </a:fontRef>
+        </p:style>
+        <p:txBody>
+          <a:bodyPr rtlCol="0" anchor="ctr"/>
+          <a:lstStyle/>
+          <a:p>
+            <a:pPr algn="ctr"/>
+            <a:endParaRPr lang="ko-KR" altLang="en-US"/>
+          </a:p>
+        </p:txBody>
+      </p:sp>
+      <p:sp>
+        <p:nvSpPr>
+          <p:cNvPr id="26" name="직사각형 25"/>
+          <p:cNvSpPr/>
+          <p:nvPr/>
+        </p:nvSpPr>
+        <p:spPr>
+          <a:xfrm>
+            <a:off x="1500166" y="2285992"/>
+            <a:ext cx="1785950" cy="571504"/>
+          </a:xfrm>
+          <a:prstGeom prst="rect">
+            <a:avLst/>
+          </a:prstGeom>
+        </p:spPr>
+        <p:style>
+          <a:lnRef idx="2">
+            <a:schemeClr val="accent1">
+              <a:shade val="50000"/>
+            </a:schemeClr>
+          </a:lnRef>
+          <a:fillRef idx="1">
+            <a:schemeClr val="accent1"/>
+          </a:fillRef>
+          <a:effectRef idx="0">
+            <a:schemeClr val="accent1"/>
+          </a:effectRef>
+          <a:fontRef idx="minor">
+            <a:schemeClr val="lt1"/>
+          </a:fontRef>
+        </p:style>
+        <p:txBody>
+          <a:bodyPr rtlCol="0" anchor="ctr"/>
+          <a:lstStyle/>
+          <a:p>
+            <a:pPr algn="ctr"/>
+            <a:r>
+              <a:rPr lang="en-US" altLang="ko-KR" sz="1600" dirty="0" smtClean="0">
+                <a:solidFill>
+                  <a:schemeClr val="tx1"/>
+                </a:solidFill>
+              </a:rPr>
+              <a:t>Newvol.php</a:t>
+            </a:r>
+            <a:r>
+              <a:rPr lang="en-US" altLang="ko-KR" sz="1600" b="1" dirty="0" smtClean="0">
+                <a:solidFill>
+                  <a:schemeClr val="tx1"/>
+                </a:solidFill>
+              </a:rPr>
+              <a:t/>
+            </a:r>
+            <a:br>
+              <a:rPr lang="en-US" altLang="ko-KR" sz="1600" b="1" dirty="0" smtClean="0">
+                <a:solidFill>
+                  <a:schemeClr val="tx1"/>
+                </a:solidFill>
+              </a:rPr>
+            </a:br>
+            <a:r>
+              <a:rPr lang="ko-KR" altLang="en-US" sz="1600" b="1" dirty="0" err="1" smtClean="0">
+                <a:solidFill>
+                  <a:schemeClr val="tx1"/>
+                </a:solidFill>
+              </a:rPr>
+              <a:t>구인글작성</a:t>
+            </a:r>
+            <a:endParaRPr lang="ko-KR" altLang="en-US" sz="1600" b="1" dirty="0">
+              <a:solidFill>
+                <a:schemeClr val="tx1"/>
+              </a:solidFill>
+            </a:endParaRPr>
+          </a:p>
+        </p:txBody>
+      </p:sp>
+      <p:sp>
+        <p:nvSpPr>
+          <p:cNvPr id="27" name="직사각형 26"/>
+          <p:cNvSpPr/>
+          <p:nvPr/>
+        </p:nvSpPr>
+        <p:spPr>
+          <a:xfrm>
+            <a:off x="4071934" y="2786058"/>
+            <a:ext cx="1785950" cy="571504"/>
+          </a:xfrm>
+          <a:prstGeom prst="rect">
+            <a:avLst/>
+          </a:prstGeom>
+        </p:spPr>
+        <p:style>
+          <a:lnRef idx="2">
+            <a:schemeClr val="accent1">
+              <a:shade val="50000"/>
+            </a:schemeClr>
+          </a:lnRef>
+          <a:fillRef idx="1">
+            <a:schemeClr val="accent1"/>
+          </a:fillRef>
+          <a:effectRef idx="0">
+            <a:schemeClr val="accent1"/>
+          </a:effectRef>
+          <a:fontRef idx="minor">
+            <a:schemeClr val="lt1"/>
+          </a:fontRef>
+        </p:style>
+        <p:txBody>
+          <a:bodyPr rtlCol="0" anchor="ctr"/>
+          <a:lstStyle/>
+          <a:p>
+            <a:pPr algn="ctr"/>
+            <a:r>
+              <a:rPr lang="en-US" altLang="ko-KR" sz="1600" dirty="0" smtClean="0">
+                <a:solidFill>
+                  <a:schemeClr val="tx1"/>
+                </a:solidFill>
+              </a:rPr>
+              <a:t>allvol.php</a:t>
+            </a:r>
+            <a:r>
+              <a:rPr lang="en-US" altLang="ko-KR" sz="1600" b="1" dirty="0" smtClean="0">
+                <a:solidFill>
+                  <a:schemeClr val="tx1"/>
+                </a:solidFill>
+              </a:rPr>
+              <a:t/>
+            </a:r>
+            <a:br>
+              <a:rPr lang="en-US" altLang="ko-KR" sz="1600" b="1" dirty="0" smtClean="0">
+                <a:solidFill>
+                  <a:schemeClr val="tx1"/>
+                </a:solidFill>
+              </a:rPr>
+            </a:br>
+            <a:r>
+              <a:rPr lang="ko-KR" altLang="en-US" sz="1600" b="1" dirty="0" smtClean="0">
+                <a:solidFill>
+                  <a:schemeClr val="tx1"/>
+                </a:solidFill>
+              </a:rPr>
+              <a:t>봉사신청</a:t>
+            </a:r>
+            <a:endParaRPr lang="ko-KR" altLang="en-US" sz="1600" b="1" dirty="0">
+              <a:solidFill>
+                <a:schemeClr val="tx1"/>
+              </a:solidFill>
+            </a:endParaRPr>
+          </a:p>
+        </p:txBody>
+      </p:sp>
+      <p:cxnSp>
+        <p:nvCxnSpPr>
+          <p:cNvPr id="30" name="꺾인 연결선 29"/>
+          <p:cNvCxnSpPr>
+            <a:stCxn id="26" idx="3"/>
+            <a:endCxn id="27" idx="1"/>
+          </p:cNvCxnSpPr>
+          <p:nvPr/>
+        </p:nvCxnSpPr>
+        <p:spPr>
+          <a:xfrm>
+            <a:off x="3286116" y="2571744"/>
+            <a:ext cx="785818" cy="500066"/>
+          </a:xfrm>
+          <a:prstGeom prst="bentConnector3">
+            <a:avLst>
+              <a:gd name="adj1" fmla="val 50000"/>
+            </a:avLst>
+          </a:prstGeom>
+          <a:ln>
+            <a:tailEnd type="arrow"/>
+          </a:ln>
+        </p:spPr>
+        <p:style>
+          <a:lnRef idx="1">
+            <a:schemeClr val="accent1"/>
+          </a:lnRef>
+          <a:fillRef idx="0">
+            <a:schemeClr val="accent1"/>
+          </a:fillRef>
+          <a:effectRef idx="0">
+            <a:schemeClr val="accent1"/>
+          </a:effectRef>
+          <a:fontRef idx="minor">
+            <a:schemeClr val="tx1"/>
+          </a:fontRef>
+        </p:style>
+      </p:cxnSp>
+      <p:cxnSp>
+        <p:nvCxnSpPr>
+          <p:cNvPr id="32" name="Shape 31"/>
+          <p:cNvCxnSpPr>
+            <a:stCxn id="27" idx="2"/>
+            <a:endCxn id="33" idx="3"/>
+          </p:cNvCxnSpPr>
+          <p:nvPr/>
+        </p:nvCxnSpPr>
+        <p:spPr>
+          <a:xfrm rot="5400000">
+            <a:off x="3875480" y="2768199"/>
+            <a:ext cx="500066" cy="1678793"/>
+          </a:xfrm>
+          <a:prstGeom prst="bentConnector2">
+            <a:avLst/>
+          </a:prstGeom>
+          <a:ln>
+            <a:tailEnd type="arrow"/>
+          </a:ln>
+        </p:spPr>
+        <p:style>
+          <a:lnRef idx="1">
+            <a:schemeClr val="accent1"/>
+          </a:lnRef>
+          <a:fillRef idx="0">
+            <a:schemeClr val="accent1"/>
+          </a:fillRef>
+          <a:effectRef idx="0">
+            <a:schemeClr val="accent1"/>
+          </a:effectRef>
+          <a:fontRef idx="minor">
+            <a:schemeClr val="tx1"/>
+          </a:fontRef>
+        </p:style>
+      </p:cxnSp>
+      <p:sp>
+        <p:nvSpPr>
+          <p:cNvPr id="33" name="직사각형 32"/>
+          <p:cNvSpPr/>
+          <p:nvPr/>
+        </p:nvSpPr>
+        <p:spPr>
+          <a:xfrm>
+            <a:off x="1500166" y="3571876"/>
+            <a:ext cx="1785950" cy="571504"/>
+          </a:xfrm>
+          <a:prstGeom prst="rect">
+            <a:avLst/>
+          </a:prstGeom>
+        </p:spPr>
+        <p:style>
+          <a:lnRef idx="2">
+            <a:schemeClr val="accent1">
+              <a:shade val="50000"/>
+            </a:schemeClr>
+          </a:lnRef>
+          <a:fillRef idx="1">
+            <a:schemeClr val="accent1"/>
+          </a:fillRef>
+          <a:effectRef idx="0">
+            <a:schemeClr val="accent1"/>
+          </a:effectRef>
+          <a:fontRef idx="minor">
+            <a:schemeClr val="lt1"/>
+          </a:fontRef>
+        </p:style>
+        <p:txBody>
+          <a:bodyPr rtlCol="0" anchor="ctr"/>
+          <a:lstStyle/>
+          <a:p>
+            <a:pPr algn="ctr"/>
+            <a:r>
+              <a:rPr lang="en-US" altLang="ko-KR" sz="1600" dirty="0" smtClean="0">
+                <a:solidFill>
+                  <a:schemeClr val="tx1"/>
+                </a:solidFill>
+              </a:rPr>
+              <a:t>volunteers.php</a:t>
+            </a:r>
+            <a:r>
+              <a:rPr lang="en-US" altLang="ko-KR" sz="1600" b="1" dirty="0" smtClean="0">
+                <a:solidFill>
+                  <a:schemeClr val="tx1"/>
+                </a:solidFill>
+              </a:rPr>
+              <a:t/>
+            </a:r>
+            <a:br>
+              <a:rPr lang="en-US" altLang="ko-KR" sz="1600" b="1" dirty="0" smtClean="0">
+                <a:solidFill>
+                  <a:schemeClr val="tx1"/>
+                </a:solidFill>
+              </a:rPr>
+            </a:br>
+            <a:r>
+              <a:rPr lang="ko-KR" altLang="en-US" sz="1600" b="1" dirty="0" smtClean="0">
+                <a:solidFill>
+                  <a:schemeClr val="tx1"/>
+                </a:solidFill>
+              </a:rPr>
+              <a:t>봉사 수락</a:t>
+            </a:r>
+            <a:endParaRPr lang="ko-KR" altLang="en-US" sz="1600" b="1" dirty="0">
+              <a:solidFill>
+                <a:schemeClr val="tx1"/>
+              </a:solidFill>
+            </a:endParaRPr>
+          </a:p>
+        </p:txBody>
+      </p:sp>
+      <p:cxnSp>
+        <p:nvCxnSpPr>
+          <p:cNvPr id="38" name="Shape 37"/>
+          <p:cNvCxnSpPr>
+            <a:stCxn id="33" idx="2"/>
+            <a:endCxn id="39" idx="1"/>
+          </p:cNvCxnSpPr>
+          <p:nvPr/>
+        </p:nvCxnSpPr>
+        <p:spPr>
+          <a:xfrm rot="16200000" flipH="1">
+            <a:off x="3053942" y="3482578"/>
+            <a:ext cx="357190" cy="1678793"/>
+          </a:xfrm>
+          <a:prstGeom prst="bentConnector2">
+            <a:avLst/>
+          </a:prstGeom>
+          <a:ln>
+            <a:tailEnd type="arrow"/>
+          </a:ln>
+        </p:spPr>
+        <p:style>
+          <a:lnRef idx="1">
+            <a:schemeClr val="accent1"/>
+          </a:lnRef>
+          <a:fillRef idx="0">
+            <a:schemeClr val="accent1"/>
+          </a:fillRef>
+          <a:effectRef idx="0">
+            <a:schemeClr val="accent1"/>
+          </a:effectRef>
+          <a:fontRef idx="minor">
+            <a:schemeClr val="tx1"/>
+          </a:fontRef>
+        </p:style>
+      </p:cxnSp>
+      <p:sp>
+        <p:nvSpPr>
+          <p:cNvPr id="39" name="직사각형 38"/>
+          <p:cNvSpPr/>
+          <p:nvPr/>
+        </p:nvSpPr>
+        <p:spPr>
+          <a:xfrm>
+            <a:off x="4071934" y="4214818"/>
+            <a:ext cx="1785950" cy="571504"/>
+          </a:xfrm>
+          <a:prstGeom prst="rect">
+            <a:avLst/>
+          </a:prstGeom>
+        </p:spPr>
+        <p:style>
+          <a:lnRef idx="2">
+            <a:schemeClr val="accent1">
+              <a:shade val="50000"/>
+            </a:schemeClr>
+          </a:lnRef>
+          <a:fillRef idx="1">
+            <a:schemeClr val="accent1"/>
+          </a:fillRef>
+          <a:effectRef idx="0">
+            <a:schemeClr val="accent1"/>
+          </a:effectRef>
+          <a:fontRef idx="minor">
+            <a:schemeClr val="lt1"/>
+          </a:fontRef>
+        </p:style>
+        <p:txBody>
+          <a:bodyPr rtlCol="0" anchor="ctr"/>
+          <a:lstStyle/>
+          <a:p>
+            <a:pPr algn="ctr"/>
+            <a:r>
+              <a:rPr lang="en-US" altLang="ko-KR" sz="1600" smtClean="0">
+                <a:solidFill>
+                  <a:schemeClr val="tx1"/>
+                </a:solidFill>
+              </a:rPr>
+              <a:t>myappvol.php</a:t>
+            </a:r>
+            <a:r>
+              <a:rPr lang="en-US" altLang="ko-KR" sz="1600" b="1" dirty="0" smtClean="0">
+                <a:solidFill>
+                  <a:schemeClr val="tx1"/>
+                </a:solidFill>
+              </a:rPr>
+              <a:t/>
+            </a:r>
+            <a:br>
+              <a:rPr lang="en-US" altLang="ko-KR" sz="1600" b="1" dirty="0" smtClean="0">
+                <a:solidFill>
+                  <a:schemeClr val="tx1"/>
+                </a:solidFill>
+              </a:rPr>
+            </a:br>
+            <a:r>
+              <a:rPr lang="ko-KR" altLang="en-US" sz="1600" b="1" dirty="0" err="1" smtClean="0">
+                <a:solidFill>
+                  <a:schemeClr val="tx1"/>
+                </a:solidFill>
+              </a:rPr>
+              <a:t>매칭완료</a:t>
+            </a:r>
+            <a:endParaRPr lang="ko-KR" altLang="en-US" sz="1600" b="1" dirty="0">
+              <a:solidFill>
+                <a:schemeClr val="tx1"/>
+              </a:solidFill>
+            </a:endParaRPr>
+          </a:p>
+        </p:txBody>
+      </p:sp>
+      <p:cxnSp>
+        <p:nvCxnSpPr>
+          <p:cNvPr id="17" name="Shape 16"/>
+          <p:cNvCxnSpPr>
+            <a:stCxn id="39" idx="2"/>
+            <a:endCxn id="18" idx="0"/>
+          </p:cNvCxnSpPr>
+          <p:nvPr/>
+        </p:nvCxnSpPr>
+        <p:spPr>
+          <a:xfrm rot="5400000">
+            <a:off x="4071934" y="4536289"/>
+            <a:ext cx="642942" cy="1143008"/>
+          </a:xfrm>
+          <a:prstGeom prst="bentConnector3">
+            <a:avLst>
+              <a:gd name="adj1" fmla="val 50000"/>
+            </a:avLst>
+          </a:prstGeom>
+          <a:ln>
+            <a:tailEnd type="arrow"/>
+          </a:ln>
+        </p:spPr>
+        <p:style>
+          <a:lnRef idx="1">
+            <a:schemeClr val="accent1"/>
+          </a:lnRef>
+          <a:fillRef idx="0">
+            <a:schemeClr val="accent1"/>
+          </a:fillRef>
+          <a:effectRef idx="0">
+            <a:schemeClr val="accent1"/>
+          </a:effectRef>
+          <a:fontRef idx="minor">
+            <a:schemeClr val="tx1"/>
+          </a:fontRef>
+        </p:style>
+      </p:cxnSp>
+      <p:sp>
+        <p:nvSpPr>
+          <p:cNvPr id="18" name="직사각형 17"/>
+          <p:cNvSpPr/>
+          <p:nvPr/>
+        </p:nvSpPr>
+        <p:spPr>
+          <a:xfrm>
+            <a:off x="2714612" y="5429264"/>
+            <a:ext cx="2214578" cy="714380"/>
+          </a:xfrm>
+          <a:prstGeom prst="rect">
+            <a:avLst/>
+          </a:prstGeom>
+        </p:spPr>
+        <p:style>
+          <a:lnRef idx="2">
+            <a:schemeClr val="accent1">
+              <a:shade val="50000"/>
+            </a:schemeClr>
+          </a:lnRef>
+          <a:fillRef idx="1">
+            <a:schemeClr val="accent1"/>
+          </a:fillRef>
+          <a:effectRef idx="0">
+            <a:schemeClr val="accent1"/>
+          </a:effectRef>
+          <a:fontRef idx="minor">
+            <a:schemeClr val="lt1"/>
+          </a:fontRef>
+        </p:style>
+        <p:txBody>
+          <a:bodyPr rtlCol="0" anchor="ctr"/>
+          <a:lstStyle/>
+          <a:p>
+            <a:pPr algn="ctr"/>
+            <a:r>
+              <a:rPr lang="en-US" altLang="ko-KR" sz="1600" dirty="0" smtClean="0">
+                <a:solidFill>
+                  <a:schemeClr val="tx1"/>
+                </a:solidFill>
+              </a:rPr>
+              <a:t>Matchingend_vol.php</a:t>
+            </a:r>
+            <a:r>
+              <a:rPr lang="en-US" altLang="ko-KR" sz="1600" b="1" dirty="0" smtClean="0">
+                <a:solidFill>
+                  <a:schemeClr val="tx1"/>
+                </a:solidFill>
+              </a:rPr>
+              <a:t/>
+            </a:r>
+            <a:br>
+              <a:rPr lang="en-US" altLang="ko-KR" sz="1600" b="1" dirty="0" smtClean="0">
+                <a:solidFill>
+                  <a:schemeClr val="tx1"/>
+                </a:solidFill>
+              </a:rPr>
+            </a:br>
+            <a:r>
+              <a:rPr lang="ko-KR" altLang="en-US" sz="1600" b="1" dirty="0" smtClean="0">
+                <a:solidFill>
+                  <a:schemeClr val="tx1"/>
+                </a:solidFill>
+              </a:rPr>
+              <a:t>봉사완료</a:t>
+            </a:r>
+            <a:endParaRPr lang="ko-KR" altLang="en-US" sz="1600" b="1" dirty="0">
+              <a:solidFill>
+                <a:schemeClr val="tx1"/>
               </a:solidFill>
             </a:endParaRPr>
           </a:p>
